--- a/qualification/portuguese/images/source.pptx
+++ b/qualification/portuguese/images/source.pptx
@@ -7,6 +7,10 @@
   <p:sldIdLst>
     <p:sldId id="256" r:id="rId2"/>
     <p:sldId id="257" r:id="rId3"/>
+    <p:sldId id="258" r:id="rId4"/>
+    <p:sldId id="259" r:id="rId5"/>
+    <p:sldId id="260" r:id="rId6"/>
+    <p:sldId id="261" r:id="rId7"/>
   </p:sldIdLst>
   <p:sldSz cx="9144000" cy="6858000" type="screen4x3"/>
   <p:notesSz cx="6858000" cy="9144000"/>
@@ -289,7 +293,7 @@
           <a:p>
             <a:fld id="{D23869BC-73FA-864F-8415-4814E0C47774}" type="datetimeFigureOut">
               <a:rPr lang="en-US" smtClean="0"/>
-              <a:t>1/11/13</a:t>
+              <a:t>1/13/13</a:t>
             </a:fld>
             <a:endParaRPr lang="en-US"/>
           </a:p>
@@ -459,7 +463,7 @@
           <a:p>
             <a:fld id="{D23869BC-73FA-864F-8415-4814E0C47774}" type="datetimeFigureOut">
               <a:rPr lang="en-US" smtClean="0"/>
-              <a:t>1/11/13</a:t>
+              <a:t>1/13/13</a:t>
             </a:fld>
             <a:endParaRPr lang="en-US"/>
           </a:p>
@@ -639,7 +643,7 @@
           <a:p>
             <a:fld id="{D23869BC-73FA-864F-8415-4814E0C47774}" type="datetimeFigureOut">
               <a:rPr lang="en-US" smtClean="0"/>
-              <a:t>1/11/13</a:t>
+              <a:t>1/13/13</a:t>
             </a:fld>
             <a:endParaRPr lang="en-US"/>
           </a:p>
@@ -809,7 +813,7 @@
           <a:p>
             <a:fld id="{D23869BC-73FA-864F-8415-4814E0C47774}" type="datetimeFigureOut">
               <a:rPr lang="en-US" smtClean="0"/>
-              <a:t>1/11/13</a:t>
+              <a:t>1/13/13</a:t>
             </a:fld>
             <a:endParaRPr lang="en-US"/>
           </a:p>
@@ -1055,7 +1059,7 @@
           <a:p>
             <a:fld id="{D23869BC-73FA-864F-8415-4814E0C47774}" type="datetimeFigureOut">
               <a:rPr lang="en-US" smtClean="0"/>
-              <a:t>1/11/13</a:t>
+              <a:t>1/13/13</a:t>
             </a:fld>
             <a:endParaRPr lang="en-US"/>
           </a:p>
@@ -1343,7 +1347,7 @@
           <a:p>
             <a:fld id="{D23869BC-73FA-864F-8415-4814E0C47774}" type="datetimeFigureOut">
               <a:rPr lang="en-US" smtClean="0"/>
-              <a:t>1/11/13</a:t>
+              <a:t>1/13/13</a:t>
             </a:fld>
             <a:endParaRPr lang="en-US"/>
           </a:p>
@@ -1765,7 +1769,7 @@
           <a:p>
             <a:fld id="{D23869BC-73FA-864F-8415-4814E0C47774}" type="datetimeFigureOut">
               <a:rPr lang="en-US" smtClean="0"/>
-              <a:t>1/11/13</a:t>
+              <a:t>1/13/13</a:t>
             </a:fld>
             <a:endParaRPr lang="en-US"/>
           </a:p>
@@ -1883,7 +1887,7 @@
           <a:p>
             <a:fld id="{D23869BC-73FA-864F-8415-4814E0C47774}" type="datetimeFigureOut">
               <a:rPr lang="en-US" smtClean="0"/>
-              <a:t>1/11/13</a:t>
+              <a:t>1/13/13</a:t>
             </a:fld>
             <a:endParaRPr lang="en-US"/>
           </a:p>
@@ -1978,7 +1982,7 @@
           <a:p>
             <a:fld id="{D23869BC-73FA-864F-8415-4814E0C47774}" type="datetimeFigureOut">
               <a:rPr lang="en-US" smtClean="0"/>
-              <a:t>1/11/13</a:t>
+              <a:t>1/13/13</a:t>
             </a:fld>
             <a:endParaRPr lang="en-US"/>
           </a:p>
@@ -2255,7 +2259,7 @@
           <a:p>
             <a:fld id="{D23869BC-73FA-864F-8415-4814E0C47774}" type="datetimeFigureOut">
               <a:rPr lang="en-US" smtClean="0"/>
-              <a:t>1/11/13</a:t>
+              <a:t>1/13/13</a:t>
             </a:fld>
             <a:endParaRPr lang="en-US"/>
           </a:p>
@@ -2508,7 +2512,7 @@
           <a:p>
             <a:fld id="{D23869BC-73FA-864F-8415-4814E0C47774}" type="datetimeFigureOut">
               <a:rPr lang="en-US" smtClean="0"/>
-              <a:t>1/11/13</a:t>
+              <a:t>1/13/13</a:t>
             </a:fld>
             <a:endParaRPr lang="en-US"/>
           </a:p>
@@ -2721,7 +2725,7 @@
           <a:p>
             <a:fld id="{D23869BC-73FA-864F-8415-4814E0C47774}" type="datetimeFigureOut">
               <a:rPr lang="en-US" smtClean="0"/>
-              <a:t>1/11/13</a:t>
+              <a:t>1/13/13</a:t>
             </a:fld>
             <a:endParaRPr lang="en-US"/>
           </a:p>
@@ -3384,11 +3388,7 @@
             <a:pPr algn="ctr"/>
             <a:r>
               <a:rPr lang="en-US" dirty="0" err="1" smtClean="0"/>
-              <a:t>Autentica</a:t>
-            </a:r>
-            <a:r>
-              <a:rPr lang="en-US" dirty="0" err="1" smtClean="0"/>
-              <a:t>ção</a:t>
+              <a:t>Autenticação</a:t>
             </a:r>
             <a:r>
               <a:rPr lang="en-US" dirty="0" smtClean="0"/>
@@ -3617,11 +3617,7 @@
             <a:pPr algn="ctr"/>
             <a:r>
               <a:rPr lang="en-US" dirty="0" err="1" smtClean="0"/>
-              <a:t>Autentica</a:t>
-            </a:r>
-            <a:r>
-              <a:rPr lang="en-US" dirty="0" err="1" smtClean="0"/>
-              <a:t>ção</a:t>
+              <a:t>Autenticação</a:t>
             </a:r>
             <a:r>
               <a:rPr lang="en-US" dirty="0" smtClean="0"/>
@@ -3871,6 +3867,268 @@
               <a:t>(b)</a:t>
             </a:r>
             <a:endParaRPr lang="en-US" sz="2400" b="1" dirty="0"/>
+          </a:p>
+        </p:txBody>
+      </p:sp>
+      <p:sp>
+        <p:nvSpPr>
+          <p:cNvPr id="2" name="TextBox 1"/>
+          <p:cNvSpPr txBox="1"/>
+          <p:nvPr/>
+        </p:nvSpPr>
+        <p:spPr>
+          <a:xfrm>
+            <a:off x="1355930" y="1902370"/>
+            <a:ext cx="576149" cy="323165"/>
+          </a:xfrm>
+          <a:prstGeom prst="rect">
+            <a:avLst/>
+          </a:prstGeom>
+          <a:noFill/>
+        </p:spPr>
+        <p:txBody>
+          <a:bodyPr wrap="none" rtlCol="0">
+            <a:spAutoFit/>
+          </a:bodyPr>
+          <a:lstStyle/>
+          <a:p>
+            <a:r>
+              <a:rPr lang="en-US" sz="1500" dirty="0" err="1" smtClean="0"/>
+              <a:t>Cena</a:t>
+            </a:r>
+            <a:endParaRPr lang="en-US" sz="1500" dirty="0" smtClean="0"/>
+          </a:p>
+        </p:txBody>
+      </p:sp>
+      <p:sp>
+        <p:nvSpPr>
+          <p:cNvPr id="22" name="TextBox 21"/>
+          <p:cNvSpPr txBox="1"/>
+          <p:nvPr/>
+        </p:nvSpPr>
+        <p:spPr>
+          <a:xfrm>
+            <a:off x="3216178" y="1947727"/>
+            <a:ext cx="1332441" cy="553998"/>
+          </a:xfrm>
+          <a:prstGeom prst="rect">
+            <a:avLst/>
+          </a:prstGeom>
+          <a:noFill/>
+        </p:spPr>
+        <p:txBody>
+          <a:bodyPr wrap="none" rtlCol="0">
+            <a:spAutoFit/>
+          </a:bodyPr>
+          <a:lstStyle/>
+          <a:p>
+            <a:pPr algn="ctr"/>
+            <a:r>
+              <a:rPr lang="en-US" sz="1500" dirty="0" err="1" smtClean="0"/>
+              <a:t>Aquisição</a:t>
+            </a:r>
+            <a:r>
+              <a:rPr lang="en-US" sz="1500" dirty="0" smtClean="0"/>
+              <a:t> </a:t>
+            </a:r>
+            <a:r>
+              <a:rPr lang="en-US" sz="1500" dirty="0" err="1" smtClean="0"/>
+              <a:t>para</a:t>
+            </a:r>
+            <a:endParaRPr lang="en-US" sz="1500" dirty="0" smtClean="0"/>
+          </a:p>
+          <a:p>
+            <a:pPr algn="ctr"/>
+            <a:r>
+              <a:rPr lang="en-US" sz="1500" dirty="0" err="1"/>
+              <a:t>a</a:t>
+            </a:r>
+            <a:r>
+              <a:rPr lang="en-US" sz="1500" dirty="0" err="1" smtClean="0"/>
+              <a:t>utenticação</a:t>
+            </a:r>
+            <a:endParaRPr lang="en-US" sz="1500" dirty="0" smtClean="0"/>
+          </a:p>
+        </p:txBody>
+      </p:sp>
+      <p:sp>
+        <p:nvSpPr>
+          <p:cNvPr id="23" name="TextBox 22"/>
+          <p:cNvSpPr txBox="1"/>
+          <p:nvPr/>
+        </p:nvSpPr>
+        <p:spPr>
+          <a:xfrm>
+            <a:off x="347187" y="4673512"/>
+            <a:ext cx="576149" cy="323165"/>
+          </a:xfrm>
+          <a:prstGeom prst="rect">
+            <a:avLst/>
+          </a:prstGeom>
+          <a:noFill/>
+        </p:spPr>
+        <p:txBody>
+          <a:bodyPr wrap="none" rtlCol="0">
+            <a:spAutoFit/>
+          </a:bodyPr>
+          <a:lstStyle/>
+          <a:p>
+            <a:r>
+              <a:rPr lang="en-US" sz="1500" dirty="0" err="1" smtClean="0"/>
+              <a:t>Cena</a:t>
+            </a:r>
+            <a:endParaRPr lang="en-US" sz="1500" dirty="0" smtClean="0"/>
+          </a:p>
+        </p:txBody>
+      </p:sp>
+      <p:sp>
+        <p:nvSpPr>
+          <p:cNvPr id="26" name="TextBox 25"/>
+          <p:cNvSpPr txBox="1"/>
+          <p:nvPr/>
+        </p:nvSpPr>
+        <p:spPr>
+          <a:xfrm>
+            <a:off x="2084218" y="4604262"/>
+            <a:ext cx="805141" cy="784830"/>
+          </a:xfrm>
+          <a:prstGeom prst="rect">
+            <a:avLst/>
+          </a:prstGeom>
+          <a:noFill/>
+        </p:spPr>
+        <p:txBody>
+          <a:bodyPr wrap="none" rtlCol="0">
+            <a:spAutoFit/>
+          </a:bodyPr>
+          <a:lstStyle/>
+          <a:p>
+            <a:pPr algn="ctr"/>
+            <a:r>
+              <a:rPr lang="en-US" sz="1500" dirty="0" err="1" smtClean="0"/>
+              <a:t>Captura</a:t>
+            </a:r>
+            <a:endParaRPr lang="en-US" sz="1500" dirty="0"/>
+          </a:p>
+          <a:p>
+            <a:pPr algn="ctr"/>
+            <a:r>
+              <a:rPr lang="en-US" sz="1500" dirty="0" err="1"/>
+              <a:t>p</a:t>
+            </a:r>
+            <a:r>
+              <a:rPr lang="en-US" sz="1500" dirty="0" err="1" smtClean="0"/>
+              <a:t>ara</a:t>
+            </a:r>
+            <a:r>
+              <a:rPr lang="en-US" sz="1500" dirty="0" smtClean="0"/>
+              <a:t> a</a:t>
+            </a:r>
+          </a:p>
+          <a:p>
+            <a:pPr algn="ctr"/>
+            <a:r>
+              <a:rPr lang="en-US" sz="1500" dirty="0" err="1" smtClean="0"/>
+              <a:t>faude</a:t>
+            </a:r>
+            <a:endParaRPr lang="en-US" sz="1500" dirty="0" smtClean="0"/>
+          </a:p>
+        </p:txBody>
+      </p:sp>
+      <p:sp>
+        <p:nvSpPr>
+          <p:cNvPr id="27" name="TextBox 26"/>
+          <p:cNvSpPr txBox="1"/>
+          <p:nvPr/>
+        </p:nvSpPr>
+        <p:spPr>
+          <a:xfrm>
+            <a:off x="3591828" y="5392325"/>
+            <a:ext cx="1160932" cy="553998"/>
+          </a:xfrm>
+          <a:prstGeom prst="rect">
+            <a:avLst/>
+          </a:prstGeom>
+          <a:noFill/>
+        </p:spPr>
+        <p:txBody>
+          <a:bodyPr wrap="none" rtlCol="0">
+            <a:spAutoFit/>
+          </a:bodyPr>
+          <a:lstStyle/>
+          <a:p>
+            <a:pPr algn="ctr"/>
+            <a:r>
+              <a:rPr lang="en-US" sz="1500" dirty="0" err="1" smtClean="0"/>
+              <a:t>Execução</a:t>
+            </a:r>
+            <a:r>
+              <a:rPr lang="en-US" sz="1500" dirty="0" smtClean="0"/>
+              <a:t> do</a:t>
+            </a:r>
+          </a:p>
+          <a:p>
+            <a:pPr algn="ctr"/>
+            <a:r>
+              <a:rPr lang="en-US" sz="1500" dirty="0" err="1"/>
+              <a:t>a</a:t>
+            </a:r>
+            <a:r>
+              <a:rPr lang="en-US" sz="1500" dirty="0" err="1" smtClean="0"/>
+              <a:t>taque</a:t>
+            </a:r>
+            <a:endParaRPr lang="en-US" sz="1500" dirty="0" smtClean="0"/>
+          </a:p>
+        </p:txBody>
+      </p:sp>
+      <p:sp>
+        <p:nvSpPr>
+          <p:cNvPr id="28" name="TextBox 27"/>
+          <p:cNvSpPr txBox="1"/>
+          <p:nvPr/>
+        </p:nvSpPr>
+        <p:spPr>
+          <a:xfrm>
+            <a:off x="5472439" y="4838327"/>
+            <a:ext cx="1332441" cy="553998"/>
+          </a:xfrm>
+          <a:prstGeom prst="rect">
+            <a:avLst/>
+          </a:prstGeom>
+          <a:noFill/>
+        </p:spPr>
+        <p:txBody>
+          <a:bodyPr wrap="none" rtlCol="0">
+            <a:spAutoFit/>
+          </a:bodyPr>
+          <a:lstStyle/>
+          <a:p>
+            <a:pPr algn="ctr"/>
+            <a:r>
+              <a:rPr lang="en-US" sz="1500" dirty="0" err="1" smtClean="0"/>
+              <a:t>Aquisição</a:t>
+            </a:r>
+            <a:r>
+              <a:rPr lang="en-US" sz="1500" dirty="0" smtClean="0"/>
+              <a:t> </a:t>
+            </a:r>
+            <a:r>
+              <a:rPr lang="en-US" sz="1500" dirty="0" err="1" smtClean="0"/>
+              <a:t>para</a:t>
+            </a:r>
+            <a:endParaRPr lang="en-US" sz="1500" dirty="0" smtClean="0"/>
+          </a:p>
+          <a:p>
+            <a:pPr algn="ctr"/>
+            <a:r>
+              <a:rPr lang="en-US" sz="1500" dirty="0" err="1"/>
+              <a:t>a</a:t>
+            </a:r>
+            <a:r>
+              <a:rPr lang="en-US" sz="1500" dirty="0" err="1" smtClean="0"/>
+              <a:t>utenticação</a:t>
+            </a:r>
+            <a:endParaRPr lang="en-US" sz="1500" dirty="0" smtClean="0"/>
           </a:p>
         </p:txBody>
       </p:sp>
@@ -4394,6 +4652,2137 @@
     <p:extLst>
       <p:ext uri="{BB962C8B-B14F-4D97-AF65-F5344CB8AC3E}">
         <p14:creationId xmlns:p14="http://schemas.microsoft.com/office/powerpoint/2010/main" val="181362052"/>
+      </p:ext>
+    </p:extLst>
+  </p:cSld>
+  <p:clrMapOvr>
+    <a:masterClrMapping/>
+  </p:clrMapOvr>
+</p:sld>
+</file>
+
+<file path=ppt/slides/slide3.xml><?xml version="1.0" encoding="utf-8"?>
+<p:sld xmlns:a="http://schemas.openxmlformats.org/drawingml/2006/main" xmlns:r="http://schemas.openxmlformats.org/officeDocument/2006/relationships" xmlns:p="http://schemas.openxmlformats.org/presentationml/2006/main">
+  <p:cSld>
+    <p:spTree>
+      <p:nvGrpSpPr>
+        <p:cNvPr id="1" name=""/>
+        <p:cNvGrpSpPr/>
+        <p:nvPr/>
+      </p:nvGrpSpPr>
+      <p:grpSpPr>
+        <a:xfrm>
+          <a:off x="0" y="0"/>
+          <a:ext cx="0" cy="0"/>
+          <a:chOff x="0" y="0"/>
+          <a:chExt cx="0" cy="0"/>
+        </a:xfrm>
+      </p:grpSpPr>
+      <p:pic>
+        <p:nvPicPr>
+          <p:cNvPr id="4" name="Picture 3" descr="Screen Shot 2013-01-12 at 11.06.47 AM.png"/>
+          <p:cNvPicPr>
+            <a:picLocks noChangeAspect="1"/>
+          </p:cNvPicPr>
+          <p:nvPr/>
+        </p:nvPicPr>
+        <p:blipFill>
+          <a:blip r:embed="rId2">
+            <a:extLst>
+              <a:ext uri="{28A0092B-C50C-407E-A947-70E740481C1C}">
+                <a14:useLocalDpi xmlns:a14="http://schemas.microsoft.com/office/drawing/2010/main" val="0"/>
+              </a:ext>
+            </a:extLst>
+          </a:blip>
+          <a:stretch>
+            <a:fillRect/>
+          </a:stretch>
+        </p:blipFill>
+        <p:spPr>
+          <a:xfrm>
+            <a:off x="4337536" y="2895877"/>
+            <a:ext cx="647700" cy="647700"/>
+          </a:xfrm>
+          <a:prstGeom prst="rect">
+            <a:avLst/>
+          </a:prstGeom>
+        </p:spPr>
+      </p:pic>
+      <p:pic>
+        <p:nvPicPr>
+          <p:cNvPr id="5" name="Picture 4" descr="Screen Shot 2013-01-12 at 11.06.41 AM.png"/>
+          <p:cNvPicPr>
+            <a:picLocks noChangeAspect="1"/>
+          </p:cNvPicPr>
+          <p:nvPr/>
+        </p:nvPicPr>
+        <p:blipFill>
+          <a:blip r:embed="rId3">
+            <a:extLst>
+              <a:ext uri="{28A0092B-C50C-407E-A947-70E740481C1C}">
+                <a14:useLocalDpi xmlns:a14="http://schemas.microsoft.com/office/drawing/2010/main" val="0"/>
+              </a:ext>
+            </a:extLst>
+          </a:blip>
+          <a:stretch>
+            <a:fillRect/>
+          </a:stretch>
+        </p:blipFill>
+        <p:spPr>
+          <a:xfrm>
+            <a:off x="3123046" y="2875752"/>
+            <a:ext cx="649136" cy="676184"/>
+          </a:xfrm>
+          <a:prstGeom prst="rect">
+            <a:avLst/>
+          </a:prstGeom>
+        </p:spPr>
+      </p:pic>
+      <p:pic>
+        <p:nvPicPr>
+          <p:cNvPr id="6" name="Picture 5" descr="Screen Shot 2013-01-12 at 11.06.31 AM.png"/>
+          <p:cNvPicPr>
+            <a:picLocks noChangeAspect="1"/>
+          </p:cNvPicPr>
+          <p:nvPr/>
+        </p:nvPicPr>
+        <p:blipFill>
+          <a:blip r:embed="rId4">
+            <a:extLst>
+              <a:ext uri="{28A0092B-C50C-407E-A947-70E740481C1C}">
+                <a14:useLocalDpi xmlns:a14="http://schemas.microsoft.com/office/drawing/2010/main" val="0"/>
+              </a:ext>
+            </a:extLst>
+          </a:blip>
+          <a:stretch>
+            <a:fillRect/>
+          </a:stretch>
+        </p:blipFill>
+        <p:spPr>
+          <a:xfrm>
+            <a:off x="1930400" y="2879167"/>
+            <a:ext cx="647700" cy="673100"/>
+          </a:xfrm>
+          <a:prstGeom prst="rect">
+            <a:avLst/>
+          </a:prstGeom>
+        </p:spPr>
+      </p:pic>
+      <p:pic>
+        <p:nvPicPr>
+          <p:cNvPr id="7" name="Picture 6" descr="Screen Shot 2013-01-12 at 11.06.15 AM.png"/>
+          <p:cNvPicPr>
+            <a:picLocks noChangeAspect="1"/>
+          </p:cNvPicPr>
+          <p:nvPr/>
+        </p:nvPicPr>
+        <p:blipFill>
+          <a:blip r:embed="rId5">
+            <a:extLst>
+              <a:ext uri="{28A0092B-C50C-407E-A947-70E740481C1C}">
+                <a14:useLocalDpi xmlns:a14="http://schemas.microsoft.com/office/drawing/2010/main" val="0"/>
+              </a:ext>
+            </a:extLst>
+          </a:blip>
+          <a:stretch>
+            <a:fillRect/>
+          </a:stretch>
+        </p:blipFill>
+        <p:spPr>
+          <a:xfrm>
+            <a:off x="99006" y="2727518"/>
+            <a:ext cx="1233915" cy="958488"/>
+          </a:xfrm>
+          <a:prstGeom prst="rect">
+            <a:avLst/>
+          </a:prstGeom>
+        </p:spPr>
+      </p:pic>
+      <p:sp>
+        <p:nvSpPr>
+          <p:cNvPr id="9" name="Right Arrow 8"/>
+          <p:cNvSpPr/>
+          <p:nvPr/>
+        </p:nvSpPr>
+        <p:spPr>
+          <a:xfrm>
+            <a:off x="1441213" y="2885523"/>
+            <a:ext cx="379826" cy="615577"/>
+          </a:xfrm>
+          <a:prstGeom prst="rightArrow">
+            <a:avLst/>
+          </a:prstGeom>
+          <a:solidFill>
+            <a:schemeClr val="accent6">
+              <a:lumMod val="75000"/>
+            </a:schemeClr>
+          </a:solidFill>
+          <a:ln>
+            <a:solidFill>
+              <a:schemeClr val="accent6">
+                <a:lumMod val="60000"/>
+                <a:lumOff val="40000"/>
+              </a:schemeClr>
+            </a:solidFill>
+          </a:ln>
+        </p:spPr>
+        <p:style>
+          <a:lnRef idx="1">
+            <a:schemeClr val="accent1"/>
+          </a:lnRef>
+          <a:fillRef idx="3">
+            <a:schemeClr val="accent1"/>
+          </a:fillRef>
+          <a:effectRef idx="2">
+            <a:schemeClr val="accent1"/>
+          </a:effectRef>
+          <a:fontRef idx="minor">
+            <a:schemeClr val="lt1"/>
+          </a:fontRef>
+        </p:style>
+        <p:txBody>
+          <a:bodyPr rtlCol="0" anchor="ctr"/>
+          <a:lstStyle/>
+          <a:p>
+            <a:pPr algn="ctr"/>
+            <a:endParaRPr lang="en-US"/>
+          </a:p>
+        </p:txBody>
+      </p:sp>
+      <p:sp>
+        <p:nvSpPr>
+          <p:cNvPr id="14" name="Rounded Rectangle 13"/>
+          <p:cNvSpPr/>
+          <p:nvPr/>
+        </p:nvSpPr>
+        <p:spPr>
+          <a:xfrm>
+            <a:off x="5585311" y="2975782"/>
+            <a:ext cx="1671162" cy="586108"/>
+          </a:xfrm>
+          <a:prstGeom prst="roundRect">
+            <a:avLst/>
+          </a:prstGeom>
+        </p:spPr>
+        <p:style>
+          <a:lnRef idx="1">
+            <a:schemeClr val="accent1"/>
+          </a:lnRef>
+          <a:fillRef idx="3">
+            <a:schemeClr val="accent1"/>
+          </a:fillRef>
+          <a:effectRef idx="2">
+            <a:schemeClr val="accent1"/>
+          </a:effectRef>
+          <a:fontRef idx="minor">
+            <a:schemeClr val="lt1"/>
+          </a:fontRef>
+        </p:style>
+        <p:txBody>
+          <a:bodyPr rtlCol="0" anchor="ctr"/>
+          <a:lstStyle/>
+          <a:p>
+            <a:pPr algn="ctr"/>
+            <a:r>
+              <a:rPr lang="en-US" sz="2000" b="1" dirty="0" err="1" smtClean="0"/>
+              <a:t>Classificador</a:t>
+            </a:r>
+            <a:endParaRPr lang="en-US" sz="2000" b="1" dirty="0"/>
+          </a:p>
+        </p:txBody>
+      </p:sp>
+      <p:sp>
+        <p:nvSpPr>
+          <p:cNvPr id="15" name="TextBox 14"/>
+          <p:cNvSpPr txBox="1"/>
+          <p:nvPr/>
+        </p:nvSpPr>
+        <p:spPr>
+          <a:xfrm>
+            <a:off x="7880305" y="2905605"/>
+            <a:ext cx="1120820" cy="646331"/>
+          </a:xfrm>
+          <a:prstGeom prst="rect">
+            <a:avLst/>
+          </a:prstGeom>
+          <a:noFill/>
+        </p:spPr>
+        <p:txBody>
+          <a:bodyPr wrap="none" rtlCol="0">
+            <a:spAutoFit/>
+          </a:bodyPr>
+          <a:lstStyle/>
+          <a:p>
+            <a:r>
+              <a:rPr lang="en-US" dirty="0" smtClean="0"/>
+              <a:t>Spoof/</a:t>
+            </a:r>
+          </a:p>
+          <a:p>
+            <a:r>
+              <a:rPr lang="en-US" dirty="0" err="1"/>
+              <a:t>n</a:t>
+            </a:r>
+            <a:r>
+              <a:rPr lang="en-US" dirty="0" err="1" smtClean="0"/>
+              <a:t>ão</a:t>
+            </a:r>
+            <a:r>
+              <a:rPr lang="en-US" dirty="0" smtClean="0"/>
+              <a:t> spoof</a:t>
+            </a:r>
+            <a:endParaRPr lang="en-US" dirty="0"/>
+          </a:p>
+        </p:txBody>
+      </p:sp>
+      <p:sp>
+        <p:nvSpPr>
+          <p:cNvPr id="16" name="Right Arrow 15"/>
+          <p:cNvSpPr/>
+          <p:nvPr/>
+        </p:nvSpPr>
+        <p:spPr>
+          <a:xfrm>
+            <a:off x="2672763" y="2941594"/>
+            <a:ext cx="379826" cy="615577"/>
+          </a:xfrm>
+          <a:prstGeom prst="rightArrow">
+            <a:avLst/>
+          </a:prstGeom>
+          <a:solidFill>
+            <a:schemeClr val="accent6">
+              <a:lumMod val="75000"/>
+            </a:schemeClr>
+          </a:solidFill>
+          <a:ln>
+            <a:solidFill>
+              <a:schemeClr val="accent6">
+                <a:lumMod val="60000"/>
+                <a:lumOff val="40000"/>
+              </a:schemeClr>
+            </a:solidFill>
+          </a:ln>
+        </p:spPr>
+        <p:style>
+          <a:lnRef idx="1">
+            <a:schemeClr val="accent1"/>
+          </a:lnRef>
+          <a:fillRef idx="3">
+            <a:schemeClr val="accent1"/>
+          </a:fillRef>
+          <a:effectRef idx="2">
+            <a:schemeClr val="accent1"/>
+          </a:effectRef>
+          <a:fontRef idx="minor">
+            <a:schemeClr val="lt1"/>
+          </a:fontRef>
+        </p:style>
+        <p:txBody>
+          <a:bodyPr rtlCol="0" anchor="ctr"/>
+          <a:lstStyle/>
+          <a:p>
+            <a:pPr algn="ctr"/>
+            <a:endParaRPr lang="en-US"/>
+          </a:p>
+        </p:txBody>
+      </p:sp>
+      <p:sp>
+        <p:nvSpPr>
+          <p:cNvPr id="17" name="Right Arrow 16"/>
+          <p:cNvSpPr/>
+          <p:nvPr/>
+        </p:nvSpPr>
+        <p:spPr>
+          <a:xfrm>
+            <a:off x="3856146" y="2910209"/>
+            <a:ext cx="379826" cy="615577"/>
+          </a:xfrm>
+          <a:prstGeom prst="rightArrow">
+            <a:avLst/>
+          </a:prstGeom>
+          <a:solidFill>
+            <a:schemeClr val="accent6">
+              <a:lumMod val="75000"/>
+            </a:schemeClr>
+          </a:solidFill>
+          <a:ln>
+            <a:solidFill>
+              <a:schemeClr val="accent6">
+                <a:lumMod val="60000"/>
+                <a:lumOff val="40000"/>
+              </a:schemeClr>
+            </a:solidFill>
+          </a:ln>
+        </p:spPr>
+        <p:style>
+          <a:lnRef idx="1">
+            <a:schemeClr val="accent1"/>
+          </a:lnRef>
+          <a:fillRef idx="3">
+            <a:schemeClr val="accent1"/>
+          </a:fillRef>
+          <a:effectRef idx="2">
+            <a:schemeClr val="accent1"/>
+          </a:effectRef>
+          <a:fontRef idx="minor">
+            <a:schemeClr val="lt1"/>
+          </a:fontRef>
+        </p:style>
+        <p:txBody>
+          <a:bodyPr rtlCol="0" anchor="ctr"/>
+          <a:lstStyle/>
+          <a:p>
+            <a:pPr algn="ctr"/>
+            <a:endParaRPr lang="en-US"/>
+          </a:p>
+        </p:txBody>
+      </p:sp>
+      <p:sp>
+        <p:nvSpPr>
+          <p:cNvPr id="18" name="Right Arrow 17"/>
+          <p:cNvSpPr/>
+          <p:nvPr/>
+        </p:nvSpPr>
+        <p:spPr>
+          <a:xfrm>
+            <a:off x="5064611" y="2975782"/>
+            <a:ext cx="379826" cy="615577"/>
+          </a:xfrm>
+          <a:prstGeom prst="rightArrow">
+            <a:avLst/>
+          </a:prstGeom>
+          <a:solidFill>
+            <a:schemeClr val="accent6">
+              <a:lumMod val="75000"/>
+            </a:schemeClr>
+          </a:solidFill>
+          <a:ln>
+            <a:solidFill>
+              <a:schemeClr val="accent6">
+                <a:lumMod val="60000"/>
+                <a:lumOff val="40000"/>
+              </a:schemeClr>
+            </a:solidFill>
+          </a:ln>
+        </p:spPr>
+        <p:style>
+          <a:lnRef idx="1">
+            <a:schemeClr val="accent1"/>
+          </a:lnRef>
+          <a:fillRef idx="3">
+            <a:schemeClr val="accent1"/>
+          </a:fillRef>
+          <a:effectRef idx="2">
+            <a:schemeClr val="accent1"/>
+          </a:effectRef>
+          <a:fontRef idx="minor">
+            <a:schemeClr val="lt1"/>
+          </a:fontRef>
+        </p:style>
+        <p:txBody>
+          <a:bodyPr rtlCol="0" anchor="ctr"/>
+          <a:lstStyle/>
+          <a:p>
+            <a:pPr algn="ctr"/>
+            <a:endParaRPr lang="en-US"/>
+          </a:p>
+        </p:txBody>
+      </p:sp>
+      <p:sp>
+        <p:nvSpPr>
+          <p:cNvPr id="20" name="Right Arrow 19"/>
+          <p:cNvSpPr/>
+          <p:nvPr/>
+        </p:nvSpPr>
+        <p:spPr>
+          <a:xfrm>
+            <a:off x="7391886" y="2947849"/>
+            <a:ext cx="379826" cy="615577"/>
+          </a:xfrm>
+          <a:prstGeom prst="rightArrow">
+            <a:avLst/>
+          </a:prstGeom>
+          <a:solidFill>
+            <a:schemeClr val="accent6">
+              <a:lumMod val="75000"/>
+            </a:schemeClr>
+          </a:solidFill>
+          <a:ln>
+            <a:solidFill>
+              <a:schemeClr val="accent6">
+                <a:lumMod val="60000"/>
+                <a:lumOff val="40000"/>
+              </a:schemeClr>
+            </a:solidFill>
+          </a:ln>
+        </p:spPr>
+        <p:style>
+          <a:lnRef idx="1">
+            <a:schemeClr val="accent1"/>
+          </a:lnRef>
+          <a:fillRef idx="3">
+            <a:schemeClr val="accent1"/>
+          </a:fillRef>
+          <a:effectRef idx="2">
+            <a:schemeClr val="accent1"/>
+          </a:effectRef>
+          <a:fontRef idx="minor">
+            <a:schemeClr val="lt1"/>
+          </a:fontRef>
+        </p:style>
+        <p:txBody>
+          <a:bodyPr rtlCol="0" anchor="ctr"/>
+          <a:lstStyle/>
+          <a:p>
+            <a:pPr algn="ctr"/>
+            <a:endParaRPr lang="en-US"/>
+          </a:p>
+        </p:txBody>
+      </p:sp>
+      <p:sp>
+        <p:nvSpPr>
+          <p:cNvPr id="21" name="TextBox 20"/>
+          <p:cNvSpPr txBox="1"/>
+          <p:nvPr/>
+        </p:nvSpPr>
+        <p:spPr>
+          <a:xfrm>
+            <a:off x="381000" y="3670131"/>
+            <a:ext cx="654446" cy="369332"/>
+          </a:xfrm>
+          <a:prstGeom prst="rect">
+            <a:avLst/>
+          </a:prstGeom>
+          <a:noFill/>
+        </p:spPr>
+        <p:txBody>
+          <a:bodyPr wrap="none" rtlCol="0">
+            <a:spAutoFit/>
+          </a:bodyPr>
+          <a:lstStyle/>
+          <a:p>
+            <a:r>
+              <a:rPr lang="en-US" dirty="0" err="1" smtClean="0"/>
+              <a:t>Cena</a:t>
+            </a:r>
+            <a:endParaRPr lang="en-US" dirty="0" smtClean="0"/>
+          </a:p>
+        </p:txBody>
+      </p:sp>
+      <p:sp>
+        <p:nvSpPr>
+          <p:cNvPr id="22" name="TextBox 21"/>
+          <p:cNvSpPr txBox="1"/>
+          <p:nvPr/>
+        </p:nvSpPr>
+        <p:spPr>
+          <a:xfrm>
+            <a:off x="1738542" y="3543734"/>
+            <a:ext cx="1061221" cy="646331"/>
+          </a:xfrm>
+          <a:prstGeom prst="rect">
+            <a:avLst/>
+          </a:prstGeom>
+          <a:noFill/>
+        </p:spPr>
+        <p:txBody>
+          <a:bodyPr wrap="none" rtlCol="0">
+            <a:spAutoFit/>
+          </a:bodyPr>
+          <a:lstStyle/>
+          <a:p>
+            <a:pPr algn="ctr"/>
+            <a:r>
+              <a:rPr lang="en-US" dirty="0" err="1" smtClean="0"/>
+              <a:t>Detecção</a:t>
+            </a:r>
+            <a:endParaRPr lang="en-US" dirty="0" smtClean="0"/>
+          </a:p>
+          <a:p>
+            <a:pPr algn="ctr"/>
+            <a:r>
+              <a:rPr lang="en-US" dirty="0" smtClean="0"/>
+              <a:t>da face</a:t>
+            </a:r>
+          </a:p>
+        </p:txBody>
+      </p:sp>
+      <p:sp>
+        <p:nvSpPr>
+          <p:cNvPr id="23" name="TextBox 22"/>
+          <p:cNvSpPr txBox="1"/>
+          <p:nvPr/>
+        </p:nvSpPr>
+        <p:spPr>
+          <a:xfrm>
+            <a:off x="2653641" y="2229421"/>
+            <a:ext cx="1668621" cy="646331"/>
+          </a:xfrm>
+          <a:prstGeom prst="rect">
+            <a:avLst/>
+          </a:prstGeom>
+          <a:noFill/>
+        </p:spPr>
+        <p:txBody>
+          <a:bodyPr wrap="none" rtlCol="0">
+            <a:spAutoFit/>
+          </a:bodyPr>
+          <a:lstStyle/>
+          <a:p>
+            <a:pPr algn="ctr"/>
+            <a:r>
+              <a:rPr lang="en-US" dirty="0" err="1" smtClean="0"/>
+              <a:t>Extração</a:t>
+            </a:r>
+            <a:r>
+              <a:rPr lang="en-US" dirty="0" smtClean="0"/>
+              <a:t> dos</a:t>
+            </a:r>
+          </a:p>
+          <a:p>
+            <a:pPr algn="ctr"/>
+            <a:r>
+              <a:rPr lang="en-US" dirty="0" err="1" smtClean="0"/>
+              <a:t>parâmetros</a:t>
+            </a:r>
+            <a:r>
+              <a:rPr lang="en-US" dirty="0" smtClean="0"/>
+              <a:t> LBP</a:t>
+            </a:r>
+          </a:p>
+        </p:txBody>
+      </p:sp>
+      <p:sp>
+        <p:nvSpPr>
+          <p:cNvPr id="24" name="TextBox 23"/>
+          <p:cNvSpPr txBox="1"/>
+          <p:nvPr/>
+        </p:nvSpPr>
+        <p:spPr>
+          <a:xfrm>
+            <a:off x="3975108" y="3537382"/>
+            <a:ext cx="1265453" cy="646331"/>
+          </a:xfrm>
+          <a:prstGeom prst="rect">
+            <a:avLst/>
+          </a:prstGeom>
+          <a:noFill/>
+        </p:spPr>
+        <p:txBody>
+          <a:bodyPr wrap="none" rtlCol="0">
+            <a:spAutoFit/>
+          </a:bodyPr>
+          <a:lstStyle/>
+          <a:p>
+            <a:pPr algn="ctr"/>
+            <a:r>
+              <a:rPr lang="en-US" dirty="0" err="1" smtClean="0"/>
+              <a:t>Histograma</a:t>
+            </a:r>
+            <a:endParaRPr lang="en-US" dirty="0" smtClean="0"/>
+          </a:p>
+          <a:p>
+            <a:pPr algn="ctr"/>
+            <a:r>
+              <a:rPr lang="en-US" dirty="0" smtClean="0"/>
+              <a:t>LBP</a:t>
+            </a:r>
+          </a:p>
+        </p:txBody>
+      </p:sp>
+    </p:spTree>
+    <p:extLst>
+      <p:ext uri="{BB962C8B-B14F-4D97-AF65-F5344CB8AC3E}">
+        <p14:creationId xmlns:p14="http://schemas.microsoft.com/office/powerpoint/2010/main" val="3982753845"/>
+      </p:ext>
+    </p:extLst>
+  </p:cSld>
+  <p:clrMapOvr>
+    <a:masterClrMapping/>
+  </p:clrMapOvr>
+</p:sld>
+</file>
+
+<file path=ppt/slides/slide4.xml><?xml version="1.0" encoding="utf-8"?>
+<p:sld xmlns:a="http://schemas.openxmlformats.org/drawingml/2006/main" xmlns:r="http://schemas.openxmlformats.org/officeDocument/2006/relationships" xmlns:p="http://schemas.openxmlformats.org/presentationml/2006/main">
+  <p:cSld>
+    <p:spTree>
+      <p:nvGrpSpPr>
+        <p:cNvPr id="1" name=""/>
+        <p:cNvGrpSpPr/>
+        <p:nvPr/>
+      </p:nvGrpSpPr>
+      <p:grpSpPr>
+        <a:xfrm>
+          <a:off x="0" y="0"/>
+          <a:ext cx="0" cy="0"/>
+          <a:chOff x="0" y="0"/>
+          <a:chExt cx="0" cy="0"/>
+        </a:xfrm>
+      </p:grpSpPr>
+      <p:pic>
+        <p:nvPicPr>
+          <p:cNvPr id="6" name="Picture 5" descr="Screen Shot 2013-01-12 at 12.45.53 PM.png"/>
+          <p:cNvPicPr>
+            <a:picLocks noChangeAspect="1"/>
+          </p:cNvPicPr>
+          <p:nvPr/>
+        </p:nvPicPr>
+        <p:blipFill>
+          <a:blip r:embed="rId2">
+            <a:extLst>
+              <a:ext uri="{28A0092B-C50C-407E-A947-70E740481C1C}">
+                <a14:useLocalDpi xmlns:a14="http://schemas.microsoft.com/office/drawing/2010/main" val="0"/>
+              </a:ext>
+            </a:extLst>
+          </a:blip>
+          <a:stretch>
+            <a:fillRect/>
+          </a:stretch>
+        </p:blipFill>
+        <p:spPr>
+          <a:xfrm>
+            <a:off x="1600200" y="2282540"/>
+            <a:ext cx="5051425" cy="2784760"/>
+          </a:xfrm>
+          <a:prstGeom prst="rect">
+            <a:avLst/>
+          </a:prstGeom>
+        </p:spPr>
+      </p:pic>
+      <p:sp>
+        <p:nvSpPr>
+          <p:cNvPr id="7" name="TextBox 6"/>
+          <p:cNvSpPr txBox="1"/>
+          <p:nvPr/>
+        </p:nvSpPr>
+        <p:spPr>
+          <a:xfrm>
+            <a:off x="1857121" y="2234914"/>
+            <a:ext cx="2343761" cy="646331"/>
+          </a:xfrm>
+          <a:prstGeom prst="rect">
+            <a:avLst/>
+          </a:prstGeom>
+          <a:noFill/>
+        </p:spPr>
+        <p:txBody>
+          <a:bodyPr wrap="none" rtlCol="0">
+            <a:spAutoFit/>
+          </a:bodyPr>
+          <a:lstStyle/>
+          <a:p>
+            <a:pPr algn="ctr"/>
+            <a:r>
+              <a:rPr lang="en-US" dirty="0" err="1" smtClean="0"/>
+              <a:t>Três</a:t>
+            </a:r>
+            <a:r>
+              <a:rPr lang="en-US" dirty="0" smtClean="0"/>
+              <a:t> </a:t>
+            </a:r>
+            <a:r>
+              <a:rPr lang="en-US" dirty="0" err="1" smtClean="0"/>
+              <a:t>planos</a:t>
+            </a:r>
+            <a:endParaRPr lang="en-US" dirty="0" smtClean="0"/>
+          </a:p>
+          <a:p>
+            <a:pPr algn="ctr"/>
+            <a:r>
+              <a:rPr lang="en-US" dirty="0" err="1"/>
+              <a:t>i</a:t>
+            </a:r>
+            <a:r>
+              <a:rPr lang="en-US" dirty="0" err="1" smtClean="0"/>
+              <a:t>ntersectando</a:t>
+            </a:r>
+            <a:r>
+              <a:rPr lang="en-US" dirty="0" smtClean="0"/>
+              <a:t> um pixel</a:t>
+            </a:r>
+            <a:endParaRPr lang="en-US" dirty="0"/>
+          </a:p>
+        </p:txBody>
+      </p:sp>
+      <p:sp>
+        <p:nvSpPr>
+          <p:cNvPr id="8" name="TextBox 7"/>
+          <p:cNvSpPr txBox="1"/>
+          <p:nvPr/>
+        </p:nvSpPr>
+        <p:spPr>
+          <a:xfrm>
+            <a:off x="4564011" y="2605705"/>
+            <a:ext cx="1679779" cy="646331"/>
+          </a:xfrm>
+          <a:prstGeom prst="rect">
+            <a:avLst/>
+          </a:prstGeom>
+          <a:noFill/>
+        </p:spPr>
+        <p:txBody>
+          <a:bodyPr wrap="none" rtlCol="0">
+            <a:spAutoFit/>
+          </a:bodyPr>
+          <a:lstStyle/>
+          <a:p>
+            <a:pPr algn="ctr"/>
+            <a:r>
+              <a:rPr lang="en-US" dirty="0" err="1" smtClean="0"/>
+              <a:t>Histogramas</a:t>
+            </a:r>
+            <a:endParaRPr lang="en-US" dirty="0" smtClean="0"/>
+          </a:p>
+          <a:p>
+            <a:pPr algn="ctr"/>
+            <a:r>
+              <a:rPr lang="en-US" dirty="0" err="1"/>
+              <a:t>p</a:t>
+            </a:r>
+            <a:r>
+              <a:rPr lang="en-US" dirty="0" err="1" smtClean="0"/>
+              <a:t>ara</a:t>
+            </a:r>
+            <a:r>
+              <a:rPr lang="en-US" dirty="0" smtClean="0"/>
+              <a:t> </a:t>
+            </a:r>
+            <a:r>
+              <a:rPr lang="en-US" dirty="0" err="1" smtClean="0"/>
+              <a:t>cada</a:t>
+            </a:r>
+            <a:r>
+              <a:rPr lang="en-US" dirty="0" smtClean="0"/>
+              <a:t> </a:t>
+            </a:r>
+            <a:r>
+              <a:rPr lang="en-US" dirty="0" err="1" smtClean="0"/>
+              <a:t>plano</a:t>
+            </a:r>
+            <a:endParaRPr lang="en-US" dirty="0"/>
+          </a:p>
+        </p:txBody>
+      </p:sp>
+    </p:spTree>
+    <p:extLst>
+      <p:ext uri="{BB962C8B-B14F-4D97-AF65-F5344CB8AC3E}">
+        <p14:creationId xmlns:p14="http://schemas.microsoft.com/office/powerpoint/2010/main" val="840100421"/>
+      </p:ext>
+    </p:extLst>
+  </p:cSld>
+  <p:clrMapOvr>
+    <a:masterClrMapping/>
+  </p:clrMapOvr>
+</p:sld>
+</file>
+
+<file path=ppt/slides/slide5.xml><?xml version="1.0" encoding="utf-8"?>
+<p:sld xmlns:a="http://schemas.openxmlformats.org/drawingml/2006/main" xmlns:r="http://schemas.openxmlformats.org/officeDocument/2006/relationships" xmlns:p="http://schemas.openxmlformats.org/presentationml/2006/main">
+  <p:cSld>
+    <p:spTree>
+      <p:nvGrpSpPr>
+        <p:cNvPr id="1" name=""/>
+        <p:cNvGrpSpPr/>
+        <p:nvPr/>
+      </p:nvGrpSpPr>
+      <p:grpSpPr>
+        <a:xfrm>
+          <a:off x="0" y="0"/>
+          <a:ext cx="0" cy="0"/>
+          <a:chOff x="0" y="0"/>
+          <a:chExt cx="0" cy="0"/>
+        </a:xfrm>
+      </p:grpSpPr>
+      <p:pic>
+        <p:nvPicPr>
+          <p:cNvPr id="4" name="Picture 3" descr="Screen Shot 2013-01-12 at 4.01.23 PM.png"/>
+          <p:cNvPicPr>
+            <a:picLocks noChangeAspect="1"/>
+          </p:cNvPicPr>
+          <p:nvPr/>
+        </p:nvPicPr>
+        <p:blipFill>
+          <a:blip r:embed="rId2">
+            <a:extLst>
+              <a:ext uri="{28A0092B-C50C-407E-A947-70E740481C1C}">
+                <a14:useLocalDpi xmlns:a14="http://schemas.microsoft.com/office/drawing/2010/main" val="0"/>
+              </a:ext>
+            </a:extLst>
+          </a:blip>
+          <a:stretch>
+            <a:fillRect/>
+          </a:stretch>
+        </p:blipFill>
+        <p:spPr>
+          <a:xfrm>
+            <a:off x="180975" y="2857500"/>
+            <a:ext cx="1193800" cy="1143000"/>
+          </a:xfrm>
+          <a:prstGeom prst="rect">
+            <a:avLst/>
+          </a:prstGeom>
+        </p:spPr>
+      </p:pic>
+      <p:pic>
+        <p:nvPicPr>
+          <p:cNvPr id="5" name="Picture 4" descr="Screen Shot 2013-01-12 at 4.01.31 PM.png"/>
+          <p:cNvPicPr>
+            <a:picLocks noChangeAspect="1"/>
+          </p:cNvPicPr>
+          <p:nvPr/>
+        </p:nvPicPr>
+        <p:blipFill>
+          <a:blip r:embed="rId3">
+            <a:extLst>
+              <a:ext uri="{28A0092B-C50C-407E-A947-70E740481C1C}">
+                <a14:useLocalDpi xmlns:a14="http://schemas.microsoft.com/office/drawing/2010/main" val="0"/>
+              </a:ext>
+            </a:extLst>
+          </a:blip>
+          <a:stretch>
+            <a:fillRect/>
+          </a:stretch>
+        </p:blipFill>
+        <p:spPr>
+          <a:xfrm>
+            <a:off x="2121091" y="2245741"/>
+            <a:ext cx="2412619" cy="2366518"/>
+          </a:xfrm>
+          <a:prstGeom prst="rect">
+            <a:avLst/>
+          </a:prstGeom>
+        </p:spPr>
+      </p:pic>
+      <p:sp>
+        <p:nvSpPr>
+          <p:cNvPr id="7" name="Right Arrow 6"/>
+          <p:cNvSpPr/>
+          <p:nvPr/>
+        </p:nvSpPr>
+        <p:spPr>
+          <a:xfrm>
+            <a:off x="1504126" y="3021769"/>
+            <a:ext cx="417809" cy="819334"/>
+          </a:xfrm>
+          <a:prstGeom prst="rightArrow">
+            <a:avLst/>
+          </a:prstGeom>
+          <a:solidFill>
+            <a:schemeClr val="accent6">
+              <a:lumMod val="75000"/>
+            </a:schemeClr>
+          </a:solidFill>
+          <a:ln>
+            <a:solidFill>
+              <a:schemeClr val="accent6">
+                <a:lumMod val="60000"/>
+                <a:lumOff val="40000"/>
+              </a:schemeClr>
+            </a:solidFill>
+          </a:ln>
+        </p:spPr>
+        <p:style>
+          <a:lnRef idx="1">
+            <a:schemeClr val="accent1"/>
+          </a:lnRef>
+          <a:fillRef idx="3">
+            <a:schemeClr val="accent1"/>
+          </a:fillRef>
+          <a:effectRef idx="2">
+            <a:schemeClr val="accent1"/>
+          </a:effectRef>
+          <a:fontRef idx="minor">
+            <a:schemeClr val="lt1"/>
+          </a:fontRef>
+        </p:style>
+        <p:txBody>
+          <a:bodyPr rtlCol="0" anchor="ctr"/>
+          <a:lstStyle/>
+          <a:p>
+            <a:pPr algn="ctr"/>
+            <a:endParaRPr lang="en-US"/>
+          </a:p>
+        </p:txBody>
+      </p:sp>
+      <p:sp>
+        <p:nvSpPr>
+          <p:cNvPr id="8" name="Right Arrow 7"/>
+          <p:cNvSpPr/>
+          <p:nvPr/>
+        </p:nvSpPr>
+        <p:spPr>
+          <a:xfrm>
+            <a:off x="4661770" y="3021769"/>
+            <a:ext cx="417809" cy="819334"/>
+          </a:xfrm>
+          <a:prstGeom prst="rightArrow">
+            <a:avLst/>
+          </a:prstGeom>
+          <a:solidFill>
+            <a:schemeClr val="accent6">
+              <a:lumMod val="75000"/>
+            </a:schemeClr>
+          </a:solidFill>
+          <a:ln>
+            <a:solidFill>
+              <a:schemeClr val="accent6">
+                <a:lumMod val="60000"/>
+                <a:lumOff val="40000"/>
+              </a:schemeClr>
+            </a:solidFill>
+          </a:ln>
+        </p:spPr>
+        <p:style>
+          <a:lnRef idx="1">
+            <a:schemeClr val="accent1"/>
+          </a:lnRef>
+          <a:fillRef idx="3">
+            <a:schemeClr val="accent1"/>
+          </a:fillRef>
+          <a:effectRef idx="2">
+            <a:schemeClr val="accent1"/>
+          </a:effectRef>
+          <a:fontRef idx="minor">
+            <a:schemeClr val="lt1"/>
+          </a:fontRef>
+        </p:style>
+        <p:txBody>
+          <a:bodyPr rtlCol="0" anchor="ctr"/>
+          <a:lstStyle/>
+          <a:p>
+            <a:pPr algn="ctr"/>
+            <a:endParaRPr lang="en-US"/>
+          </a:p>
+        </p:txBody>
+      </p:sp>
+      <p:sp>
+        <p:nvSpPr>
+          <p:cNvPr id="9" name="Rounded Rectangle 8"/>
+          <p:cNvSpPr/>
+          <p:nvPr/>
+        </p:nvSpPr>
+        <p:spPr>
+          <a:xfrm>
+            <a:off x="5236061" y="3138137"/>
+            <a:ext cx="1671162" cy="586108"/>
+          </a:xfrm>
+          <a:prstGeom prst="roundRect">
+            <a:avLst/>
+          </a:prstGeom>
+        </p:spPr>
+        <p:style>
+          <a:lnRef idx="1">
+            <a:schemeClr val="accent1"/>
+          </a:lnRef>
+          <a:fillRef idx="3">
+            <a:schemeClr val="accent1"/>
+          </a:fillRef>
+          <a:effectRef idx="2">
+            <a:schemeClr val="accent1"/>
+          </a:effectRef>
+          <a:fontRef idx="minor">
+            <a:schemeClr val="lt1"/>
+          </a:fontRef>
+        </p:style>
+        <p:txBody>
+          <a:bodyPr rtlCol="0" anchor="ctr"/>
+          <a:lstStyle/>
+          <a:p>
+            <a:pPr algn="ctr"/>
+            <a:r>
+              <a:rPr lang="en-US" sz="2000" b="1" dirty="0" err="1" smtClean="0"/>
+              <a:t>Classificador</a:t>
+            </a:r>
+            <a:endParaRPr lang="en-US" sz="2000" b="1" dirty="0"/>
+          </a:p>
+        </p:txBody>
+      </p:sp>
+      <p:sp>
+        <p:nvSpPr>
+          <p:cNvPr id="10" name="TextBox 9"/>
+          <p:cNvSpPr txBox="1"/>
+          <p:nvPr/>
+        </p:nvSpPr>
+        <p:spPr>
+          <a:xfrm>
+            <a:off x="7658055" y="3077914"/>
+            <a:ext cx="1120820" cy="646331"/>
+          </a:xfrm>
+          <a:prstGeom prst="rect">
+            <a:avLst/>
+          </a:prstGeom>
+          <a:noFill/>
+        </p:spPr>
+        <p:txBody>
+          <a:bodyPr wrap="none" rtlCol="0">
+            <a:spAutoFit/>
+          </a:bodyPr>
+          <a:lstStyle/>
+          <a:p>
+            <a:r>
+              <a:rPr lang="en-US" dirty="0" smtClean="0"/>
+              <a:t>Spoof/</a:t>
+            </a:r>
+          </a:p>
+          <a:p>
+            <a:r>
+              <a:rPr lang="en-US" dirty="0" err="1"/>
+              <a:t>n</a:t>
+            </a:r>
+            <a:r>
+              <a:rPr lang="en-US" dirty="0" err="1" smtClean="0"/>
+              <a:t>ão</a:t>
+            </a:r>
+            <a:r>
+              <a:rPr lang="en-US" dirty="0" smtClean="0"/>
+              <a:t> spoof</a:t>
+            </a:r>
+            <a:endParaRPr lang="en-US" dirty="0"/>
+          </a:p>
+        </p:txBody>
+      </p:sp>
+      <p:sp>
+        <p:nvSpPr>
+          <p:cNvPr id="11" name="Right Arrow 10"/>
+          <p:cNvSpPr/>
+          <p:nvPr/>
+        </p:nvSpPr>
+        <p:spPr>
+          <a:xfrm>
+            <a:off x="7052545" y="3021769"/>
+            <a:ext cx="417809" cy="819334"/>
+          </a:xfrm>
+          <a:prstGeom prst="rightArrow">
+            <a:avLst/>
+          </a:prstGeom>
+          <a:solidFill>
+            <a:schemeClr val="accent6">
+              <a:lumMod val="75000"/>
+            </a:schemeClr>
+          </a:solidFill>
+          <a:ln>
+            <a:solidFill>
+              <a:schemeClr val="accent6">
+                <a:lumMod val="60000"/>
+                <a:lumOff val="40000"/>
+              </a:schemeClr>
+            </a:solidFill>
+          </a:ln>
+        </p:spPr>
+        <p:style>
+          <a:lnRef idx="1">
+            <a:schemeClr val="accent1"/>
+          </a:lnRef>
+          <a:fillRef idx="3">
+            <a:schemeClr val="accent1"/>
+          </a:fillRef>
+          <a:effectRef idx="2">
+            <a:schemeClr val="accent1"/>
+          </a:effectRef>
+          <a:fontRef idx="minor">
+            <a:schemeClr val="lt1"/>
+          </a:fontRef>
+        </p:style>
+        <p:txBody>
+          <a:bodyPr rtlCol="0" anchor="ctr"/>
+          <a:lstStyle/>
+          <a:p>
+            <a:pPr algn="ctr"/>
+            <a:endParaRPr lang="en-US"/>
+          </a:p>
+        </p:txBody>
+      </p:sp>
+      <p:sp>
+        <p:nvSpPr>
+          <p:cNvPr id="12" name="TextBox 11"/>
+          <p:cNvSpPr txBox="1"/>
+          <p:nvPr/>
+        </p:nvSpPr>
+        <p:spPr>
+          <a:xfrm>
+            <a:off x="276225" y="2280636"/>
+            <a:ext cx="1061221" cy="646331"/>
+          </a:xfrm>
+          <a:prstGeom prst="rect">
+            <a:avLst/>
+          </a:prstGeom>
+          <a:noFill/>
+        </p:spPr>
+        <p:txBody>
+          <a:bodyPr wrap="none" rtlCol="0">
+            <a:spAutoFit/>
+          </a:bodyPr>
+          <a:lstStyle/>
+          <a:p>
+            <a:pPr algn="ctr"/>
+            <a:r>
+              <a:rPr lang="en-US" dirty="0" err="1" smtClean="0"/>
+              <a:t>Detecção</a:t>
+            </a:r>
+            <a:endParaRPr lang="en-US" dirty="0" smtClean="0"/>
+          </a:p>
+          <a:p>
+            <a:pPr algn="ctr"/>
+            <a:r>
+              <a:rPr lang="en-US" dirty="0"/>
+              <a:t>d</a:t>
+            </a:r>
+            <a:r>
+              <a:rPr lang="en-US" dirty="0" smtClean="0"/>
+              <a:t>a face</a:t>
+            </a:r>
+            <a:endParaRPr lang="en-US" dirty="0"/>
+          </a:p>
+        </p:txBody>
+      </p:sp>
+      <p:sp>
+        <p:nvSpPr>
+          <p:cNvPr id="13" name="TextBox 12"/>
+          <p:cNvSpPr txBox="1"/>
+          <p:nvPr/>
+        </p:nvSpPr>
+        <p:spPr>
+          <a:xfrm>
+            <a:off x="2512498" y="1496411"/>
+            <a:ext cx="1433731" cy="646331"/>
+          </a:xfrm>
+          <a:prstGeom prst="rect">
+            <a:avLst/>
+          </a:prstGeom>
+          <a:noFill/>
+        </p:spPr>
+        <p:txBody>
+          <a:bodyPr wrap="none" rtlCol="0">
+            <a:spAutoFit/>
+          </a:bodyPr>
+          <a:lstStyle/>
+          <a:p>
+            <a:pPr algn="ctr"/>
+            <a:r>
+              <a:rPr lang="en-US" dirty="0" err="1" smtClean="0"/>
+              <a:t>Sequência</a:t>
+            </a:r>
+            <a:r>
+              <a:rPr lang="en-US" dirty="0" smtClean="0"/>
+              <a:t> de </a:t>
+            </a:r>
+          </a:p>
+          <a:p>
+            <a:pPr algn="ctr"/>
+            <a:r>
+              <a:rPr lang="en-US" dirty="0" err="1"/>
+              <a:t>f</a:t>
+            </a:r>
+            <a:r>
+              <a:rPr lang="en-US" dirty="0" err="1" smtClean="0"/>
+              <a:t>iltros</a:t>
+            </a:r>
+            <a:r>
+              <a:rPr lang="en-US" dirty="0" smtClean="0"/>
+              <a:t> </a:t>
+            </a:r>
+            <a:r>
+              <a:rPr lang="en-US" dirty="0" err="1" smtClean="0"/>
+              <a:t>DoG</a:t>
+            </a:r>
+            <a:endParaRPr lang="en-US" dirty="0"/>
+          </a:p>
+        </p:txBody>
+      </p:sp>
+    </p:spTree>
+    <p:extLst>
+      <p:ext uri="{BB962C8B-B14F-4D97-AF65-F5344CB8AC3E}">
+        <p14:creationId xmlns:p14="http://schemas.microsoft.com/office/powerpoint/2010/main" val="350366816"/>
+      </p:ext>
+    </p:extLst>
+  </p:cSld>
+  <p:clrMapOvr>
+    <a:masterClrMapping/>
+  </p:clrMapOvr>
+</p:sld>
+</file>
+
+<file path=ppt/slides/slide6.xml><?xml version="1.0" encoding="utf-8"?>
+<p:sld xmlns:a="http://schemas.openxmlformats.org/drawingml/2006/main" xmlns:r="http://schemas.openxmlformats.org/officeDocument/2006/relationships" xmlns:p="http://schemas.openxmlformats.org/presentationml/2006/main">
+  <p:cSld>
+    <p:spTree>
+      <p:nvGrpSpPr>
+        <p:cNvPr id="1" name=""/>
+        <p:cNvGrpSpPr/>
+        <p:nvPr/>
+      </p:nvGrpSpPr>
+      <p:grpSpPr>
+        <a:xfrm>
+          <a:off x="0" y="0"/>
+          <a:ext cx="0" cy="0"/>
+          <a:chOff x="0" y="0"/>
+          <a:chExt cx="0" cy="0"/>
+        </a:xfrm>
+      </p:grpSpPr>
+      <p:sp>
+        <p:nvSpPr>
+          <p:cNvPr id="4" name="Rounded Rectangle 3"/>
+          <p:cNvSpPr/>
+          <p:nvPr/>
+        </p:nvSpPr>
+        <p:spPr>
+          <a:xfrm>
+            <a:off x="1257300" y="3270250"/>
+            <a:ext cx="914400" cy="508000"/>
+          </a:xfrm>
+          <a:prstGeom prst="roundRect">
+            <a:avLst/>
+          </a:prstGeom>
+        </p:spPr>
+        <p:style>
+          <a:lnRef idx="1">
+            <a:schemeClr val="accent1"/>
+          </a:lnRef>
+          <a:fillRef idx="3">
+            <a:schemeClr val="accent1"/>
+          </a:fillRef>
+          <a:effectRef idx="2">
+            <a:schemeClr val="accent1"/>
+          </a:effectRef>
+          <a:fontRef idx="minor">
+            <a:schemeClr val="lt1"/>
+          </a:fontRef>
+        </p:style>
+        <p:txBody>
+          <a:bodyPr rtlCol="0" anchor="ctr"/>
+          <a:lstStyle/>
+          <a:p>
+            <a:pPr algn="ctr"/>
+            <a:r>
+              <a:rPr lang="en-US" dirty="0" smtClean="0"/>
+              <a:t>Sensor</a:t>
+            </a:r>
+            <a:endParaRPr lang="en-US" dirty="0"/>
+          </a:p>
+        </p:txBody>
+      </p:sp>
+      <p:sp>
+        <p:nvSpPr>
+          <p:cNvPr id="5" name="Rounded Rectangle 4"/>
+          <p:cNvSpPr/>
+          <p:nvPr/>
+        </p:nvSpPr>
+        <p:spPr>
+          <a:xfrm>
+            <a:off x="2914649" y="3270250"/>
+            <a:ext cx="1736725" cy="508000"/>
+          </a:xfrm>
+          <a:prstGeom prst="roundRect">
+            <a:avLst/>
+          </a:prstGeom>
+        </p:spPr>
+        <p:style>
+          <a:lnRef idx="1">
+            <a:schemeClr val="accent1"/>
+          </a:lnRef>
+          <a:fillRef idx="3">
+            <a:schemeClr val="accent1"/>
+          </a:fillRef>
+          <a:effectRef idx="2">
+            <a:schemeClr val="accent1"/>
+          </a:effectRef>
+          <a:fontRef idx="minor">
+            <a:schemeClr val="lt1"/>
+          </a:fontRef>
+        </p:style>
+        <p:txBody>
+          <a:bodyPr rtlCol="0" anchor="ctr"/>
+          <a:lstStyle/>
+          <a:p>
+            <a:pPr algn="ctr"/>
+            <a:r>
+              <a:rPr lang="en-US" dirty="0" err="1" smtClean="0"/>
+              <a:t>Processamento</a:t>
+            </a:r>
+            <a:endParaRPr lang="en-US" dirty="0"/>
+          </a:p>
+        </p:txBody>
+      </p:sp>
+      <p:sp>
+        <p:nvSpPr>
+          <p:cNvPr id="6" name="Rounded Rectangle 5"/>
+          <p:cNvSpPr/>
+          <p:nvPr/>
+        </p:nvSpPr>
+        <p:spPr>
+          <a:xfrm>
+            <a:off x="5146674" y="4438650"/>
+            <a:ext cx="1736725" cy="508000"/>
+          </a:xfrm>
+          <a:prstGeom prst="roundRect">
+            <a:avLst/>
+          </a:prstGeom>
+        </p:spPr>
+        <p:style>
+          <a:lnRef idx="1">
+            <a:schemeClr val="accent1"/>
+          </a:lnRef>
+          <a:fillRef idx="3">
+            <a:schemeClr val="accent1"/>
+          </a:fillRef>
+          <a:effectRef idx="2">
+            <a:schemeClr val="accent1"/>
+          </a:effectRef>
+          <a:fontRef idx="minor">
+            <a:schemeClr val="lt1"/>
+          </a:fontRef>
+        </p:style>
+        <p:txBody>
+          <a:bodyPr rtlCol="0" anchor="ctr"/>
+          <a:lstStyle/>
+          <a:p>
+            <a:pPr algn="ctr"/>
+            <a:r>
+              <a:rPr lang="en-US" dirty="0" err="1" smtClean="0"/>
+              <a:t>Autentica</a:t>
+            </a:r>
+            <a:r>
+              <a:rPr lang="en-US" dirty="0" err="1" smtClean="0"/>
+              <a:t>ção</a:t>
+            </a:r>
+            <a:endParaRPr lang="en-US" dirty="0"/>
+          </a:p>
+        </p:txBody>
+      </p:sp>
+      <p:sp>
+        <p:nvSpPr>
+          <p:cNvPr id="8" name="Can 7"/>
+          <p:cNvSpPr/>
+          <p:nvPr/>
+        </p:nvSpPr>
+        <p:spPr>
+          <a:xfrm>
+            <a:off x="5168899" y="1713192"/>
+            <a:ext cx="1524000" cy="913714"/>
+          </a:xfrm>
+          <a:prstGeom prst="can">
+            <a:avLst/>
+          </a:prstGeom>
+        </p:spPr>
+        <p:style>
+          <a:lnRef idx="1">
+            <a:schemeClr val="accent1"/>
+          </a:lnRef>
+          <a:fillRef idx="3">
+            <a:schemeClr val="accent1"/>
+          </a:fillRef>
+          <a:effectRef idx="2">
+            <a:schemeClr val="accent1"/>
+          </a:effectRef>
+          <a:fontRef idx="minor">
+            <a:schemeClr val="lt1"/>
+          </a:fontRef>
+        </p:style>
+        <p:txBody>
+          <a:bodyPr rtlCol="0" anchor="ctr"/>
+          <a:lstStyle/>
+          <a:p>
+            <a:pPr algn="ctr"/>
+            <a:r>
+              <a:rPr lang="en-US" dirty="0" err="1" smtClean="0"/>
+              <a:t>Refer</a:t>
+            </a:r>
+            <a:r>
+              <a:rPr lang="en-US" dirty="0" err="1" smtClean="0"/>
+              <a:t>ências</a:t>
+            </a:r>
+            <a:endParaRPr lang="en-US" dirty="0"/>
+          </a:p>
+          <a:p>
+            <a:pPr algn="ctr"/>
+            <a:r>
+              <a:rPr lang="en-US" dirty="0" err="1" smtClean="0"/>
+              <a:t>Biométricas</a:t>
+            </a:r>
+            <a:endParaRPr lang="en-US" dirty="0"/>
+          </a:p>
+        </p:txBody>
+      </p:sp>
+      <p:sp>
+        <p:nvSpPr>
+          <p:cNvPr id="9" name="Oval 8"/>
+          <p:cNvSpPr/>
+          <p:nvPr/>
+        </p:nvSpPr>
+        <p:spPr>
+          <a:xfrm>
+            <a:off x="5280024" y="5727700"/>
+            <a:ext cx="1472650" cy="687003"/>
+          </a:xfrm>
+          <a:prstGeom prst="ellipse">
+            <a:avLst/>
+          </a:prstGeom>
+        </p:spPr>
+        <p:style>
+          <a:lnRef idx="1">
+            <a:schemeClr val="accent1"/>
+          </a:lnRef>
+          <a:fillRef idx="3">
+            <a:schemeClr val="accent1"/>
+          </a:fillRef>
+          <a:effectRef idx="2">
+            <a:schemeClr val="accent1"/>
+          </a:effectRef>
+          <a:fontRef idx="minor">
+            <a:schemeClr val="lt1"/>
+          </a:fontRef>
+        </p:style>
+        <p:txBody>
+          <a:bodyPr rtlCol="0" anchor="ctr"/>
+          <a:lstStyle/>
+          <a:p>
+            <a:pPr algn="ctr"/>
+            <a:r>
+              <a:rPr lang="en-US" dirty="0" err="1" smtClean="0"/>
+              <a:t>Decis</a:t>
+            </a:r>
+            <a:r>
+              <a:rPr lang="en-US" dirty="0" err="1" smtClean="0"/>
+              <a:t>ão</a:t>
+            </a:r>
+            <a:endParaRPr lang="en-US" dirty="0"/>
+          </a:p>
+        </p:txBody>
+      </p:sp>
+      <p:sp>
+        <p:nvSpPr>
+          <p:cNvPr id="10" name="Right Arrow 9"/>
+          <p:cNvSpPr/>
+          <p:nvPr/>
+        </p:nvSpPr>
+        <p:spPr>
+          <a:xfrm>
+            <a:off x="2294744" y="3311315"/>
+            <a:ext cx="459590" cy="462492"/>
+          </a:xfrm>
+          <a:prstGeom prst="rightArrow">
+            <a:avLst/>
+          </a:prstGeom>
+          <a:solidFill>
+            <a:schemeClr val="accent6">
+              <a:lumMod val="75000"/>
+            </a:schemeClr>
+          </a:solidFill>
+          <a:ln>
+            <a:solidFill>
+              <a:schemeClr val="accent6">
+                <a:lumMod val="60000"/>
+                <a:lumOff val="40000"/>
+              </a:schemeClr>
+            </a:solidFill>
+          </a:ln>
+        </p:spPr>
+        <p:style>
+          <a:lnRef idx="1">
+            <a:schemeClr val="accent1"/>
+          </a:lnRef>
+          <a:fillRef idx="3">
+            <a:schemeClr val="accent1"/>
+          </a:fillRef>
+          <a:effectRef idx="2">
+            <a:schemeClr val="accent1"/>
+          </a:effectRef>
+          <a:fontRef idx="minor">
+            <a:schemeClr val="lt1"/>
+          </a:fontRef>
+        </p:style>
+        <p:txBody>
+          <a:bodyPr rtlCol="0" anchor="ctr"/>
+          <a:lstStyle/>
+          <a:p>
+            <a:pPr algn="ctr"/>
+            <a:endParaRPr lang="en-US"/>
+          </a:p>
+        </p:txBody>
+      </p:sp>
+      <p:sp>
+        <p:nvSpPr>
+          <p:cNvPr id="11" name="Right Arrow 10"/>
+          <p:cNvSpPr/>
+          <p:nvPr/>
+        </p:nvSpPr>
+        <p:spPr>
+          <a:xfrm rot="19204374">
+            <a:off x="4641206" y="2728383"/>
+            <a:ext cx="611714" cy="462493"/>
+          </a:xfrm>
+          <a:prstGeom prst="rightArrow">
+            <a:avLst/>
+          </a:prstGeom>
+          <a:solidFill>
+            <a:schemeClr val="accent6">
+              <a:lumMod val="75000"/>
+            </a:schemeClr>
+          </a:solidFill>
+          <a:ln>
+            <a:solidFill>
+              <a:schemeClr val="accent6">
+                <a:lumMod val="60000"/>
+                <a:lumOff val="40000"/>
+              </a:schemeClr>
+            </a:solidFill>
+          </a:ln>
+        </p:spPr>
+        <p:style>
+          <a:lnRef idx="1">
+            <a:schemeClr val="accent1"/>
+          </a:lnRef>
+          <a:fillRef idx="3">
+            <a:schemeClr val="accent1"/>
+          </a:fillRef>
+          <a:effectRef idx="2">
+            <a:schemeClr val="accent1"/>
+          </a:effectRef>
+          <a:fontRef idx="minor">
+            <a:schemeClr val="lt1"/>
+          </a:fontRef>
+        </p:style>
+        <p:txBody>
+          <a:bodyPr rtlCol="0" anchor="ctr"/>
+          <a:lstStyle/>
+          <a:p>
+            <a:pPr algn="ctr"/>
+            <a:endParaRPr lang="en-US"/>
+          </a:p>
+        </p:txBody>
+      </p:sp>
+      <p:sp>
+        <p:nvSpPr>
+          <p:cNvPr id="12" name="Right Arrow 11"/>
+          <p:cNvSpPr/>
+          <p:nvPr/>
+        </p:nvSpPr>
+        <p:spPr>
+          <a:xfrm rot="2815904">
+            <a:off x="4537224" y="3897266"/>
+            <a:ext cx="611714" cy="462493"/>
+          </a:xfrm>
+          <a:prstGeom prst="rightArrow">
+            <a:avLst/>
+          </a:prstGeom>
+          <a:solidFill>
+            <a:schemeClr val="accent6">
+              <a:lumMod val="75000"/>
+            </a:schemeClr>
+          </a:solidFill>
+          <a:ln>
+            <a:solidFill>
+              <a:schemeClr val="accent6">
+                <a:lumMod val="60000"/>
+                <a:lumOff val="40000"/>
+              </a:schemeClr>
+            </a:solidFill>
+          </a:ln>
+        </p:spPr>
+        <p:style>
+          <a:lnRef idx="1">
+            <a:schemeClr val="accent1"/>
+          </a:lnRef>
+          <a:fillRef idx="3">
+            <a:schemeClr val="accent1"/>
+          </a:fillRef>
+          <a:effectRef idx="2">
+            <a:schemeClr val="accent1"/>
+          </a:effectRef>
+          <a:fontRef idx="minor">
+            <a:schemeClr val="lt1"/>
+          </a:fontRef>
+        </p:style>
+        <p:txBody>
+          <a:bodyPr rtlCol="0" anchor="ctr"/>
+          <a:lstStyle/>
+          <a:p>
+            <a:pPr algn="ctr"/>
+            <a:endParaRPr lang="en-US"/>
+          </a:p>
+        </p:txBody>
+      </p:sp>
+      <p:sp>
+        <p:nvSpPr>
+          <p:cNvPr id="13" name="Right Arrow 12"/>
+          <p:cNvSpPr/>
+          <p:nvPr/>
+        </p:nvSpPr>
+        <p:spPr>
+          <a:xfrm rot="5400000">
+            <a:off x="5716762" y="5106060"/>
+            <a:ext cx="556104" cy="462493"/>
+          </a:xfrm>
+          <a:prstGeom prst="rightArrow">
+            <a:avLst/>
+          </a:prstGeom>
+          <a:solidFill>
+            <a:schemeClr val="accent6">
+              <a:lumMod val="75000"/>
+            </a:schemeClr>
+          </a:solidFill>
+          <a:ln>
+            <a:solidFill>
+              <a:schemeClr val="accent6">
+                <a:lumMod val="60000"/>
+                <a:lumOff val="40000"/>
+              </a:schemeClr>
+            </a:solidFill>
+          </a:ln>
+        </p:spPr>
+        <p:style>
+          <a:lnRef idx="1">
+            <a:schemeClr val="accent1"/>
+          </a:lnRef>
+          <a:fillRef idx="3">
+            <a:schemeClr val="accent1"/>
+          </a:fillRef>
+          <a:effectRef idx="2">
+            <a:schemeClr val="accent1"/>
+          </a:effectRef>
+          <a:fontRef idx="minor">
+            <a:schemeClr val="lt1"/>
+          </a:fontRef>
+        </p:style>
+        <p:txBody>
+          <a:bodyPr rtlCol="0" anchor="ctr"/>
+          <a:lstStyle/>
+          <a:p>
+            <a:pPr algn="ctr"/>
+            <a:endParaRPr lang="en-US"/>
+          </a:p>
+        </p:txBody>
+      </p:sp>
+      <p:cxnSp>
+        <p:nvCxnSpPr>
+          <p:cNvPr id="15" name="Straight Arrow Connector 14"/>
+          <p:cNvCxnSpPr>
+            <a:endCxn id="4" idx="0"/>
+          </p:cNvCxnSpPr>
+          <p:nvPr/>
+        </p:nvCxnSpPr>
+        <p:spPr>
+          <a:xfrm>
+            <a:off x="1257300" y="2585992"/>
+            <a:ext cx="457200" cy="684258"/>
+          </a:xfrm>
+          <a:prstGeom prst="straightConnector1">
+            <a:avLst/>
+          </a:prstGeom>
+          <a:ln>
+            <a:solidFill>
+              <a:schemeClr val="accent3">
+                <a:lumMod val="50000"/>
+              </a:schemeClr>
+            </a:solidFill>
+            <a:tailEnd type="arrow"/>
+          </a:ln>
+        </p:spPr>
+        <p:style>
+          <a:lnRef idx="2">
+            <a:schemeClr val="accent1"/>
+          </a:lnRef>
+          <a:fillRef idx="0">
+            <a:schemeClr val="accent1"/>
+          </a:fillRef>
+          <a:effectRef idx="1">
+            <a:schemeClr val="accent1"/>
+          </a:effectRef>
+          <a:fontRef idx="minor">
+            <a:schemeClr val="tx1"/>
+          </a:fontRef>
+        </p:style>
+      </p:cxnSp>
+      <p:cxnSp>
+        <p:nvCxnSpPr>
+          <p:cNvPr id="16" name="Straight Arrow Connector 15"/>
+          <p:cNvCxnSpPr/>
+          <p:nvPr/>
+        </p:nvCxnSpPr>
+        <p:spPr>
+          <a:xfrm>
+            <a:off x="2522563" y="2396642"/>
+            <a:ext cx="0" cy="936625"/>
+          </a:xfrm>
+          <a:prstGeom prst="straightConnector1">
+            <a:avLst/>
+          </a:prstGeom>
+          <a:ln>
+            <a:solidFill>
+              <a:schemeClr val="accent3">
+                <a:lumMod val="50000"/>
+              </a:schemeClr>
+            </a:solidFill>
+            <a:tailEnd type="arrow"/>
+          </a:ln>
+        </p:spPr>
+        <p:style>
+          <a:lnRef idx="2">
+            <a:schemeClr val="accent1"/>
+          </a:lnRef>
+          <a:fillRef idx="0">
+            <a:schemeClr val="accent1"/>
+          </a:fillRef>
+          <a:effectRef idx="1">
+            <a:schemeClr val="accent1"/>
+          </a:effectRef>
+          <a:fontRef idx="minor">
+            <a:schemeClr val="tx1"/>
+          </a:fontRef>
+        </p:style>
+      </p:cxnSp>
+      <p:cxnSp>
+        <p:nvCxnSpPr>
+          <p:cNvPr id="18" name="Straight Arrow Connector 17"/>
+          <p:cNvCxnSpPr>
+            <a:endCxn id="11" idx="2"/>
+          </p:cNvCxnSpPr>
+          <p:nvPr/>
+        </p:nvCxnSpPr>
+        <p:spPr>
+          <a:xfrm flipH="1" flipV="1">
+            <a:off x="5152696" y="3089077"/>
+            <a:ext cx="610871" cy="498673"/>
+          </a:xfrm>
+          <a:prstGeom prst="straightConnector1">
+            <a:avLst/>
+          </a:prstGeom>
+          <a:ln>
+            <a:solidFill>
+              <a:schemeClr val="accent3">
+                <a:lumMod val="50000"/>
+              </a:schemeClr>
+            </a:solidFill>
+            <a:tailEnd type="arrow"/>
+          </a:ln>
+        </p:spPr>
+        <p:style>
+          <a:lnRef idx="2">
+            <a:schemeClr val="accent1"/>
+          </a:lnRef>
+          <a:fillRef idx="0">
+            <a:schemeClr val="accent1"/>
+          </a:fillRef>
+          <a:effectRef idx="1">
+            <a:schemeClr val="accent1"/>
+          </a:effectRef>
+          <a:fontRef idx="minor">
+            <a:schemeClr val="tx1"/>
+          </a:fontRef>
+        </p:style>
+      </p:cxnSp>
+      <p:cxnSp>
+        <p:nvCxnSpPr>
+          <p:cNvPr id="21" name="Straight Arrow Connector 20"/>
+          <p:cNvCxnSpPr>
+            <a:endCxn id="12" idx="0"/>
+          </p:cNvCxnSpPr>
+          <p:nvPr/>
+        </p:nvCxnSpPr>
+        <p:spPr>
+          <a:xfrm flipH="1">
+            <a:off x="5062966" y="3587750"/>
+            <a:ext cx="700601" cy="437358"/>
+          </a:xfrm>
+          <a:prstGeom prst="straightConnector1">
+            <a:avLst/>
+          </a:prstGeom>
+          <a:ln>
+            <a:solidFill>
+              <a:schemeClr val="accent3">
+                <a:lumMod val="50000"/>
+              </a:schemeClr>
+            </a:solidFill>
+            <a:tailEnd type="arrow"/>
+          </a:ln>
+        </p:spPr>
+        <p:style>
+          <a:lnRef idx="2">
+            <a:schemeClr val="accent1"/>
+          </a:lnRef>
+          <a:fillRef idx="0">
+            <a:schemeClr val="accent1"/>
+          </a:fillRef>
+          <a:effectRef idx="1">
+            <a:schemeClr val="accent1"/>
+          </a:effectRef>
+          <a:fontRef idx="minor">
+            <a:schemeClr val="tx1"/>
+          </a:fontRef>
+        </p:style>
+      </p:cxnSp>
+      <p:cxnSp>
+        <p:nvCxnSpPr>
+          <p:cNvPr id="25" name="Straight Arrow Connector 24"/>
+          <p:cNvCxnSpPr/>
+          <p:nvPr/>
+        </p:nvCxnSpPr>
+        <p:spPr>
+          <a:xfrm flipH="1" flipV="1">
+            <a:off x="6692899" y="2210557"/>
+            <a:ext cx="927101" cy="186085"/>
+          </a:xfrm>
+          <a:prstGeom prst="straightConnector1">
+            <a:avLst/>
+          </a:prstGeom>
+          <a:ln>
+            <a:solidFill>
+              <a:schemeClr val="accent3">
+                <a:lumMod val="50000"/>
+              </a:schemeClr>
+            </a:solidFill>
+            <a:tailEnd type="arrow"/>
+          </a:ln>
+        </p:spPr>
+        <p:style>
+          <a:lnRef idx="2">
+            <a:schemeClr val="accent1"/>
+          </a:lnRef>
+          <a:fillRef idx="0">
+            <a:schemeClr val="accent1"/>
+          </a:fillRef>
+          <a:effectRef idx="1">
+            <a:schemeClr val="accent1"/>
+          </a:effectRef>
+          <a:fontRef idx="minor">
+            <a:schemeClr val="tx1"/>
+          </a:fontRef>
+        </p:style>
+      </p:cxnSp>
+      <p:cxnSp>
+        <p:nvCxnSpPr>
+          <p:cNvPr id="28" name="Straight Arrow Connector 27"/>
+          <p:cNvCxnSpPr/>
+          <p:nvPr/>
+        </p:nvCxnSpPr>
+        <p:spPr>
+          <a:xfrm flipH="1">
+            <a:off x="6289124" y="5397041"/>
+            <a:ext cx="927100" cy="1"/>
+          </a:xfrm>
+          <a:prstGeom prst="straightConnector1">
+            <a:avLst/>
+          </a:prstGeom>
+          <a:ln>
+            <a:solidFill>
+              <a:schemeClr val="accent3">
+                <a:lumMod val="50000"/>
+              </a:schemeClr>
+            </a:solidFill>
+            <a:tailEnd type="arrow"/>
+          </a:ln>
+        </p:spPr>
+        <p:style>
+          <a:lnRef idx="2">
+            <a:schemeClr val="accent1"/>
+          </a:lnRef>
+          <a:fillRef idx="0">
+            <a:schemeClr val="accent1"/>
+          </a:fillRef>
+          <a:effectRef idx="1">
+            <a:schemeClr val="accent1"/>
+          </a:effectRef>
+          <a:fontRef idx="minor">
+            <a:schemeClr val="tx1"/>
+          </a:fontRef>
+        </p:style>
+      </p:cxnSp>
+      <p:sp>
+        <p:nvSpPr>
+          <p:cNvPr id="30" name="TextBox 29"/>
+          <p:cNvSpPr txBox="1"/>
+          <p:nvPr/>
+        </p:nvSpPr>
+        <p:spPr>
+          <a:xfrm>
+            <a:off x="753515" y="2225949"/>
+            <a:ext cx="1007570" cy="369332"/>
+          </a:xfrm>
+          <a:prstGeom prst="rect">
+            <a:avLst/>
+          </a:prstGeom>
+          <a:noFill/>
+        </p:spPr>
+        <p:txBody>
+          <a:bodyPr wrap="none" rtlCol="0">
+            <a:spAutoFit/>
+          </a:bodyPr>
+          <a:lstStyle/>
+          <a:p>
+            <a:r>
+              <a:rPr lang="en-US" dirty="0"/>
+              <a:t>S</a:t>
+            </a:r>
+            <a:r>
+              <a:rPr lang="en-US" dirty="0" smtClean="0"/>
+              <a:t>poofing</a:t>
+            </a:r>
+            <a:endParaRPr lang="en-US" dirty="0"/>
+          </a:p>
+        </p:txBody>
+      </p:sp>
+      <p:sp>
+        <p:nvSpPr>
+          <p:cNvPr id="31" name="TextBox 30"/>
+          <p:cNvSpPr txBox="1"/>
+          <p:nvPr/>
+        </p:nvSpPr>
+        <p:spPr>
+          <a:xfrm>
+            <a:off x="1860028" y="1714225"/>
+            <a:ext cx="1313581" cy="646331"/>
+          </a:xfrm>
+          <a:prstGeom prst="rect">
+            <a:avLst/>
+          </a:prstGeom>
+          <a:noFill/>
+        </p:spPr>
+        <p:txBody>
+          <a:bodyPr wrap="none" rtlCol="0">
+            <a:spAutoFit/>
+          </a:bodyPr>
+          <a:lstStyle/>
+          <a:p>
+            <a:pPr algn="ctr"/>
+            <a:r>
+              <a:rPr lang="en-US" dirty="0" smtClean="0"/>
+              <a:t>Man-in-the-</a:t>
+            </a:r>
+          </a:p>
+          <a:p>
+            <a:pPr algn="ctr"/>
+            <a:r>
+              <a:rPr lang="en-US" dirty="0" smtClean="0"/>
+              <a:t>middle</a:t>
+            </a:r>
+            <a:endParaRPr lang="en-US" dirty="0"/>
+          </a:p>
+        </p:txBody>
+      </p:sp>
+      <p:sp>
+        <p:nvSpPr>
+          <p:cNvPr id="32" name="TextBox 31"/>
+          <p:cNvSpPr txBox="1"/>
+          <p:nvPr/>
+        </p:nvSpPr>
+        <p:spPr>
+          <a:xfrm>
+            <a:off x="5763567" y="3283044"/>
+            <a:ext cx="1313581" cy="646331"/>
+          </a:xfrm>
+          <a:prstGeom prst="rect">
+            <a:avLst/>
+          </a:prstGeom>
+          <a:noFill/>
+        </p:spPr>
+        <p:txBody>
+          <a:bodyPr wrap="none" rtlCol="0">
+            <a:spAutoFit/>
+          </a:bodyPr>
+          <a:lstStyle/>
+          <a:p>
+            <a:pPr algn="ctr"/>
+            <a:r>
+              <a:rPr lang="en-US" dirty="0" smtClean="0"/>
+              <a:t>Man-in-the-</a:t>
+            </a:r>
+          </a:p>
+          <a:p>
+            <a:pPr algn="ctr"/>
+            <a:r>
+              <a:rPr lang="en-US" dirty="0" smtClean="0"/>
+              <a:t>middle</a:t>
+            </a:r>
+            <a:endParaRPr lang="en-US" dirty="0"/>
+          </a:p>
+        </p:txBody>
+      </p:sp>
+      <p:sp>
+        <p:nvSpPr>
+          <p:cNvPr id="33" name="TextBox 32"/>
+          <p:cNvSpPr txBox="1"/>
+          <p:nvPr/>
+        </p:nvSpPr>
+        <p:spPr>
+          <a:xfrm>
+            <a:off x="7032697" y="5010375"/>
+            <a:ext cx="1313581" cy="646331"/>
+          </a:xfrm>
+          <a:prstGeom prst="rect">
+            <a:avLst/>
+          </a:prstGeom>
+          <a:noFill/>
+        </p:spPr>
+        <p:txBody>
+          <a:bodyPr wrap="none" rtlCol="0">
+            <a:spAutoFit/>
+          </a:bodyPr>
+          <a:lstStyle/>
+          <a:p>
+            <a:pPr algn="ctr"/>
+            <a:r>
+              <a:rPr lang="en-US" dirty="0" smtClean="0"/>
+              <a:t>Man-in-the-</a:t>
+            </a:r>
+          </a:p>
+          <a:p>
+            <a:pPr algn="ctr"/>
+            <a:r>
+              <a:rPr lang="en-US" dirty="0" smtClean="0"/>
+              <a:t>middle</a:t>
+            </a:r>
+            <a:endParaRPr lang="en-US" dirty="0"/>
+          </a:p>
+        </p:txBody>
+      </p:sp>
+      <p:sp>
+        <p:nvSpPr>
+          <p:cNvPr id="34" name="TextBox 33"/>
+          <p:cNvSpPr txBox="1"/>
+          <p:nvPr/>
+        </p:nvSpPr>
+        <p:spPr>
+          <a:xfrm>
+            <a:off x="7581237" y="2069582"/>
+            <a:ext cx="1187908" cy="646331"/>
+          </a:xfrm>
+          <a:prstGeom prst="rect">
+            <a:avLst/>
+          </a:prstGeom>
+          <a:noFill/>
+        </p:spPr>
+        <p:txBody>
+          <a:bodyPr wrap="none" rtlCol="0">
+            <a:spAutoFit/>
+          </a:bodyPr>
+          <a:lstStyle/>
+          <a:p>
+            <a:pPr algn="ctr"/>
+            <a:r>
+              <a:rPr lang="en-US" dirty="0" err="1" smtClean="0"/>
+              <a:t>Refer</a:t>
+            </a:r>
+            <a:r>
+              <a:rPr lang="en-US" dirty="0" err="1" smtClean="0"/>
+              <a:t>ência</a:t>
+            </a:r>
+            <a:endParaRPr lang="en-US" dirty="0" smtClean="0"/>
+          </a:p>
+          <a:p>
+            <a:pPr algn="ctr"/>
+            <a:r>
+              <a:rPr lang="en-US" dirty="0" err="1" smtClean="0"/>
+              <a:t>biométrica</a:t>
+            </a:r>
+            <a:endParaRPr lang="en-US" dirty="0"/>
+          </a:p>
+        </p:txBody>
+      </p:sp>
+    </p:spTree>
+    <p:extLst>
+      <p:ext uri="{BB962C8B-B14F-4D97-AF65-F5344CB8AC3E}">
+        <p14:creationId xmlns:p14="http://schemas.microsoft.com/office/powerpoint/2010/main" val="1160582735"/>
       </p:ext>
     </p:extLst>
   </p:cSld>
